--- a/materials/slides/2.11 探索式软件测试—深巷测试法.pptx
+++ b/materials/slides/2.11 探索式软件测试—深巷测试法.pptx
@@ -209,7 +209,7 @@
           <a:p>
             <a:fld id="{EC82124A-F363-4BD3-8BA5-C8EDB8A4673E}" type="datetimeFigureOut">
               <a:rPr lang="zh-CN" altLang="en-US" smtClean="0"/>
-              <a:t>2019/8/25</a:t>
+              <a:t>2019/9/23</a:t>
             </a:fld>
             <a:endParaRPr lang="zh-CN" altLang="en-US"/>
           </a:p>
@@ -612,7 +612,7 @@
           <a:p>
             <a:fld id="{C04CF4A6-17F9-4CD5-BCB8-44B65F331829}" type="datetimeFigureOut">
               <a:rPr lang="zh-CN" altLang="en-US" smtClean="0"/>
-              <a:t>2019/8/25</a:t>
+              <a:t>2019/9/23</a:t>
             </a:fld>
             <a:endParaRPr lang="zh-CN" altLang="en-US"/>
           </a:p>
@@ -904,7 +904,7 @@
           <a:p>
             <a:fld id="{C04CF4A6-17F9-4CD5-BCB8-44B65F331829}" type="datetimeFigureOut">
               <a:rPr lang="zh-CN" altLang="en-US" smtClean="0"/>
-              <a:t>2019/8/25</a:t>
+              <a:t>2019/9/23</a:t>
             </a:fld>
             <a:endParaRPr lang="zh-CN" altLang="en-US"/>
           </a:p>
@@ -1074,7 +1074,7 @@
           <a:p>
             <a:fld id="{C04CF4A6-17F9-4CD5-BCB8-44B65F331829}" type="datetimeFigureOut">
               <a:rPr lang="zh-CN" altLang="en-US" smtClean="0"/>
-              <a:t>2019/8/25</a:t>
+              <a:t>2019/9/23</a:t>
             </a:fld>
             <a:endParaRPr lang="zh-CN" altLang="en-US"/>
           </a:p>
@@ -1254,7 +1254,7 @@
           <a:p>
             <a:fld id="{C04CF4A6-17F9-4CD5-BCB8-44B65F331829}" type="datetimeFigureOut">
               <a:rPr lang="zh-CN" altLang="en-US" smtClean="0"/>
-              <a:t>2019/8/25</a:t>
+              <a:t>2019/9/23</a:t>
             </a:fld>
             <a:endParaRPr lang="zh-CN" altLang="en-US"/>
           </a:p>
@@ -1478,7 +1478,7 @@
           <a:p>
             <a:fld id="{C04CF4A6-17F9-4CD5-BCB8-44B65F331829}" type="datetimeFigureOut">
               <a:rPr lang="zh-CN" altLang="en-US" smtClean="0"/>
-              <a:t>2019/8/25</a:t>
+              <a:t>2019/9/23</a:t>
             </a:fld>
             <a:endParaRPr lang="zh-CN" altLang="en-US"/>
           </a:p>
@@ -1775,7 +1775,7 @@
           <a:p>
             <a:fld id="{C04CF4A6-17F9-4CD5-BCB8-44B65F331829}" type="datetimeFigureOut">
               <a:rPr lang="zh-CN" altLang="en-US" smtClean="0"/>
-              <a:t>2019/8/25</a:t>
+              <a:t>2019/9/23</a:t>
             </a:fld>
             <a:endParaRPr lang="zh-CN" altLang="en-US"/>
           </a:p>
@@ -2094,7 +2094,7 @@
           <a:p>
             <a:fld id="{C04CF4A6-17F9-4CD5-BCB8-44B65F331829}" type="datetimeFigureOut">
               <a:rPr lang="zh-CN" altLang="en-US" smtClean="0"/>
-              <a:t>2019/8/25</a:t>
+              <a:t>2019/9/23</a:t>
             </a:fld>
             <a:endParaRPr lang="zh-CN" altLang="en-US"/>
           </a:p>
@@ -2326,7 +2326,7 @@
           <a:p>
             <a:fld id="{C04CF4A6-17F9-4CD5-BCB8-44B65F331829}" type="datetimeFigureOut">
               <a:rPr lang="zh-CN" altLang="en-US" smtClean="0"/>
-              <a:t>2019/8/25</a:t>
+              <a:t>2019/9/23</a:t>
             </a:fld>
             <a:endParaRPr lang="zh-CN" altLang="en-US"/>
           </a:p>
@@ -2693,7 +2693,7 @@
           <a:p>
             <a:fld id="{C04CF4A6-17F9-4CD5-BCB8-44B65F331829}" type="datetimeFigureOut">
               <a:rPr lang="zh-CN" altLang="en-US" smtClean="0"/>
-              <a:t>2019/8/25</a:t>
+              <a:t>2019/9/23</a:t>
             </a:fld>
             <a:endParaRPr lang="zh-CN" altLang="en-US"/>
           </a:p>
@@ -2811,7 +2811,7 @@
           <a:p>
             <a:fld id="{C04CF4A6-17F9-4CD5-BCB8-44B65F331829}" type="datetimeFigureOut">
               <a:rPr lang="zh-CN" altLang="en-US" smtClean="0"/>
-              <a:t>2019/8/25</a:t>
+              <a:t>2019/9/23</a:t>
             </a:fld>
             <a:endParaRPr lang="zh-CN" altLang="en-US"/>
           </a:p>
@@ -2906,7 +2906,7 @@
           <a:p>
             <a:fld id="{C04CF4A6-17F9-4CD5-BCB8-44B65F331829}" type="datetimeFigureOut">
               <a:rPr lang="zh-CN" altLang="en-US" smtClean="0"/>
-              <a:t>2019/8/25</a:t>
+              <a:t>2019/9/23</a:t>
             </a:fld>
             <a:endParaRPr lang="zh-CN" altLang="en-US"/>
           </a:p>
@@ -3183,7 +3183,7 @@
           <a:p>
             <a:fld id="{C04CF4A6-17F9-4CD5-BCB8-44B65F331829}" type="datetimeFigureOut">
               <a:rPr lang="zh-CN" altLang="en-US" smtClean="0"/>
-              <a:t>2019/8/25</a:t>
+              <a:t>2019/9/23</a:t>
             </a:fld>
             <a:endParaRPr lang="zh-CN" altLang="en-US"/>
           </a:p>
@@ -3396,7 +3396,7 @@
           <a:p>
             <a:fld id="{C04CF4A6-17F9-4CD5-BCB8-44B65F331829}" type="datetimeFigureOut">
               <a:rPr lang="zh-CN" altLang="en-US" smtClean="0"/>
-              <a:t>2019/8/25</a:t>
+              <a:t>2019/9/23</a:t>
             </a:fld>
             <a:endParaRPr lang="zh-CN" altLang="en-US"/>
           </a:p>
